--- a/figures/envr_of_origin/EOO_Field_Envr.pptx
+++ b/figures/envr_of_origin/EOO_Field_Envr.pptx
@@ -197,7 +197,7 @@
           <a:p>
             <a:fld id="{4B5B259B-1F42-0448-AF93-D62C71E9FE53}" type="datetimeFigureOut">
               <a:rPr lang="en-US" smtClean="0"/>
-              <a:t>10/3/25</a:t>
+              <a:t>11/9/25</a:t>
             </a:fld>
             <a:endParaRPr lang="en-US"/>
           </a:p>
@@ -679,7 +679,7 @@
           <a:p>
             <a:fld id="{140175AA-D19A-D346-8060-CE01ADC05081}" type="datetimeFigureOut">
               <a:rPr lang="en-US" smtClean="0"/>
-              <a:t>10/3/25</a:t>
+              <a:t>11/9/25</a:t>
             </a:fld>
             <a:endParaRPr lang="en-US"/>
           </a:p>
@@ -849,7 +849,7 @@
           <a:p>
             <a:fld id="{140175AA-D19A-D346-8060-CE01ADC05081}" type="datetimeFigureOut">
               <a:rPr lang="en-US" smtClean="0"/>
-              <a:t>10/3/25</a:t>
+              <a:t>11/9/25</a:t>
             </a:fld>
             <a:endParaRPr lang="en-US"/>
           </a:p>
@@ -1029,7 +1029,7 @@
           <a:p>
             <a:fld id="{140175AA-D19A-D346-8060-CE01ADC05081}" type="datetimeFigureOut">
               <a:rPr lang="en-US" smtClean="0"/>
-              <a:t>10/3/25</a:t>
+              <a:t>11/9/25</a:t>
             </a:fld>
             <a:endParaRPr lang="en-US"/>
           </a:p>
@@ -1199,7 +1199,7 @@
           <a:p>
             <a:fld id="{140175AA-D19A-D346-8060-CE01ADC05081}" type="datetimeFigureOut">
               <a:rPr lang="en-US" smtClean="0"/>
-              <a:t>10/3/25</a:t>
+              <a:t>11/9/25</a:t>
             </a:fld>
             <a:endParaRPr lang="en-US"/>
           </a:p>
@@ -1445,7 +1445,7 @@
           <a:p>
             <a:fld id="{140175AA-D19A-D346-8060-CE01ADC05081}" type="datetimeFigureOut">
               <a:rPr lang="en-US" smtClean="0"/>
-              <a:t>10/3/25</a:t>
+              <a:t>11/9/25</a:t>
             </a:fld>
             <a:endParaRPr lang="en-US"/>
           </a:p>
@@ -1677,7 +1677,7 @@
           <a:p>
             <a:fld id="{140175AA-D19A-D346-8060-CE01ADC05081}" type="datetimeFigureOut">
               <a:rPr lang="en-US" smtClean="0"/>
-              <a:t>10/3/25</a:t>
+              <a:t>11/9/25</a:t>
             </a:fld>
             <a:endParaRPr lang="en-US"/>
           </a:p>
@@ -2044,7 +2044,7 @@
           <a:p>
             <a:fld id="{140175AA-D19A-D346-8060-CE01ADC05081}" type="datetimeFigureOut">
               <a:rPr lang="en-US" smtClean="0"/>
-              <a:t>10/3/25</a:t>
+              <a:t>11/9/25</a:t>
             </a:fld>
             <a:endParaRPr lang="en-US"/>
           </a:p>
@@ -2162,7 +2162,7 @@
           <a:p>
             <a:fld id="{140175AA-D19A-D346-8060-CE01ADC05081}" type="datetimeFigureOut">
               <a:rPr lang="en-US" smtClean="0"/>
-              <a:t>10/3/25</a:t>
+              <a:t>11/9/25</a:t>
             </a:fld>
             <a:endParaRPr lang="en-US"/>
           </a:p>
@@ -2257,7 +2257,7 @@
           <a:p>
             <a:fld id="{140175AA-D19A-D346-8060-CE01ADC05081}" type="datetimeFigureOut">
               <a:rPr lang="en-US" smtClean="0"/>
-              <a:t>10/3/25</a:t>
+              <a:t>11/9/25</a:t>
             </a:fld>
             <a:endParaRPr lang="en-US"/>
           </a:p>
@@ -2534,7 +2534,7 @@
           <a:p>
             <a:fld id="{140175AA-D19A-D346-8060-CE01ADC05081}" type="datetimeFigureOut">
               <a:rPr lang="en-US" smtClean="0"/>
-              <a:t>10/3/25</a:t>
+              <a:t>11/9/25</a:t>
             </a:fld>
             <a:endParaRPr lang="en-US"/>
           </a:p>
@@ -2791,7 +2791,7 @@
           <a:p>
             <a:fld id="{140175AA-D19A-D346-8060-CE01ADC05081}" type="datetimeFigureOut">
               <a:rPr lang="en-US" smtClean="0"/>
-              <a:t>10/3/25</a:t>
+              <a:t>11/9/25</a:t>
             </a:fld>
             <a:endParaRPr lang="en-US"/>
           </a:p>
@@ -3004,7 +3004,7 @@
           <a:p>
             <a:fld id="{140175AA-D19A-D346-8060-CE01ADC05081}" type="datetimeFigureOut">
               <a:rPr lang="en-US" smtClean="0"/>
-              <a:t>10/3/25</a:t>
+              <a:t>11/9/25</a:t>
             </a:fld>
             <a:endParaRPr lang="en-US"/>
           </a:p>
@@ -3411,28 +3411,59 @@
       </p:grpSpPr>
       <p:pic>
         <p:nvPicPr>
-          <p:cNvPr id="43" name="Picture 42">
+          <p:cNvPr id="41" name="Picture 40">
             <a:extLst>
               <a:ext uri="{FF2B5EF4-FFF2-40B4-BE49-F238E27FC236}">
-                <a16:creationId xmlns:a16="http://schemas.microsoft.com/office/drawing/2014/main" id="{BC9431E0-599C-485E-643D-4D0A1E8B074F}"/>
+                <a16:creationId xmlns:a16="http://schemas.microsoft.com/office/drawing/2014/main" id="{3AEACD3C-722B-DE8C-C8FB-F0F79284DD6C}"/>
               </a:ext>
             </a:extLst>
           </p:cNvPr>
           <p:cNvPicPr>
-            <a:picLocks/>
+            <a:picLocks noChangeAspect="1"/>
           </p:cNvPicPr>
           <p:nvPr/>
         </p:nvPicPr>
         <p:blipFill>
           <a:blip r:embed="rId3"/>
+          <a:srcRect t="6946"/>
           <a:stretch>
             <a:fillRect/>
           </a:stretch>
         </p:blipFill>
         <p:spPr>
           <a:xfrm>
-            <a:off x="634499" y="5912025"/>
-            <a:ext cx="8458200" cy="3657600"/>
+            <a:off x="9151940" y="6270239"/>
+            <a:ext cx="2284676" cy="3320973"/>
+          </a:xfrm>
+          <a:prstGeom prst="rect">
+            <a:avLst/>
+          </a:prstGeom>
+        </p:spPr>
+      </p:pic>
+      <p:pic>
+        <p:nvPicPr>
+          <p:cNvPr id="38" name="Picture 37">
+            <a:extLst>
+              <a:ext uri="{FF2B5EF4-FFF2-40B4-BE49-F238E27FC236}">
+                <a16:creationId xmlns:a16="http://schemas.microsoft.com/office/drawing/2014/main" id="{9BE0C280-6590-5614-D728-CFABF80A0D9D}"/>
+              </a:ext>
+            </a:extLst>
+          </p:cNvPr>
+          <p:cNvPicPr>
+            <a:picLocks noChangeAspect="1"/>
+          </p:cNvPicPr>
+          <p:nvPr/>
+        </p:nvPicPr>
+        <p:blipFill>
+          <a:blip r:embed="rId4"/>
+          <a:stretch>
+            <a:fillRect/>
+          </a:stretch>
+        </p:blipFill>
+        <p:spPr>
+          <a:xfrm>
+            <a:off x="615786" y="6029579"/>
+            <a:ext cx="8458200" cy="3561347"/>
           </a:xfrm>
           <a:prstGeom prst="rect">
             <a:avLst/>
@@ -3528,7 +3559,7 @@
           <p:nvPr/>
         </p:nvPicPr>
         <p:blipFill>
-          <a:blip r:embed="rId4"/>
+          <a:blip r:embed="rId5"/>
           <a:srcRect l="8171" r="6809"/>
           <a:stretch>
             <a:fillRect/>
@@ -4124,8 +4155,8 @@
         </p:nvSpPr>
         <p:spPr>
           <a:xfrm>
-            <a:off x="7011011" y="306217"/>
-            <a:ext cx="4135829" cy="4459002"/>
+            <a:off x="7029650" y="306217"/>
+            <a:ext cx="3485386" cy="4459002"/>
           </a:xfrm>
           <a:prstGeom prst="rect">
             <a:avLst/>
@@ -4199,37 +4230,6 @@
       </p:sp>
       <p:pic>
         <p:nvPicPr>
-          <p:cNvPr id="63" name="Picture 62">
-            <a:extLst>
-              <a:ext uri="{FF2B5EF4-FFF2-40B4-BE49-F238E27FC236}">
-                <a16:creationId xmlns:a16="http://schemas.microsoft.com/office/drawing/2014/main" id="{B75512FA-07BF-3B12-1F2B-5C748E68C76A}"/>
-              </a:ext>
-            </a:extLst>
-          </p:cNvPr>
-          <p:cNvPicPr>
-            <a:picLocks noChangeAspect="1"/>
-          </p:cNvPicPr>
-          <p:nvPr/>
-        </p:nvPicPr>
-        <p:blipFill>
-          <a:blip r:embed="rId5"/>
-          <a:srcRect l="1346" t="4380" r="1839" b="43045"/>
-          <a:stretch>
-            <a:fillRect/>
-          </a:stretch>
-        </p:blipFill>
-        <p:spPr>
-          <a:xfrm>
-            <a:off x="1012862" y="9472545"/>
-            <a:ext cx="8014310" cy="913414"/>
-          </a:xfrm>
-          <a:prstGeom prst="rect">
-            <a:avLst/>
-          </a:prstGeom>
-        </p:spPr>
-      </p:pic>
-      <p:pic>
-        <p:nvPicPr>
           <p:cNvPr id="86" name="Picture 85">
             <a:extLst>
               <a:ext uri="{FF2B5EF4-FFF2-40B4-BE49-F238E27FC236}">
@@ -4244,76 +4244,15 @@
         </p:nvPicPr>
         <p:blipFill>
           <a:blip r:embed="rId6"/>
-          <a:srcRect b="14535"/>
+          <a:srcRect b="30630"/>
           <a:stretch>
             <a:fillRect/>
           </a:stretch>
         </p:blipFill>
         <p:spPr>
           <a:xfrm>
-            <a:off x="9132538" y="10346270"/>
-            <a:ext cx="3108960" cy="1328533"/>
-          </a:xfrm>
-          <a:prstGeom prst="rect">
-            <a:avLst/>
-          </a:prstGeom>
-        </p:spPr>
-      </p:pic>
-      <p:pic>
-        <p:nvPicPr>
-          <p:cNvPr id="90" name="Picture 89">
-            <a:extLst>
-              <a:ext uri="{FF2B5EF4-FFF2-40B4-BE49-F238E27FC236}">
-                <a16:creationId xmlns:a16="http://schemas.microsoft.com/office/drawing/2014/main" id="{9F742F7C-2A87-32A3-1892-A72CD979B92F}"/>
-              </a:ext>
-            </a:extLst>
-          </p:cNvPr>
-          <p:cNvPicPr>
-            <a:picLocks noChangeAspect="1"/>
-          </p:cNvPicPr>
-          <p:nvPr/>
-        </p:nvPicPr>
-        <p:blipFill>
-          <a:blip r:embed="rId7"/>
-          <a:stretch>
-            <a:fillRect/>
-          </a:stretch>
-        </p:blipFill>
-        <p:spPr>
-          <a:xfrm>
-            <a:off x="9122378" y="5912025"/>
-            <a:ext cx="2286000" cy="3657600"/>
-          </a:xfrm>
-          <a:prstGeom prst="rect">
-            <a:avLst/>
-          </a:prstGeom>
-        </p:spPr>
-      </p:pic>
-      <p:pic>
-        <p:nvPicPr>
-          <p:cNvPr id="94" name="Picture 93">
-            <a:extLst>
-              <a:ext uri="{FF2B5EF4-FFF2-40B4-BE49-F238E27FC236}">
-                <a16:creationId xmlns:a16="http://schemas.microsoft.com/office/drawing/2014/main" id="{F425CB1D-7D4E-C9B2-6D58-7F359F35BCBD}"/>
-              </a:ext>
-            </a:extLst>
-          </p:cNvPr>
-          <p:cNvPicPr>
-            <a:picLocks/>
-          </p:cNvPicPr>
-          <p:nvPr/>
-        </p:nvPicPr>
-        <p:blipFill>
-          <a:blip r:embed="rId8"/>
-          <a:srcRect l="1795" t="3967" r="1309" b="13588"/>
-          <a:stretch>
-            <a:fillRect/>
-          </a:stretch>
-        </p:blipFill>
-        <p:spPr>
-          <a:xfrm>
-            <a:off x="1042731" y="10426031"/>
-            <a:ext cx="8019288" cy="1432404"/>
+            <a:off x="9118230" y="10308948"/>
+            <a:ext cx="3108960" cy="1018313"/>
           </a:xfrm>
           <a:prstGeom prst="rect">
             <a:avLst/>
@@ -4330,12 +4269,12 @@
             </a:extLst>
           </p:cNvPr>
           <p:cNvPicPr>
-            <a:picLocks noChangeAspect="1"/>
+            <a:picLocks/>
           </p:cNvPicPr>
           <p:nvPr/>
         </p:nvPicPr>
         <p:blipFill>
-          <a:blip r:embed="rId9"/>
+          <a:blip r:embed="rId7"/>
           <a:srcRect b="32612"/>
           <a:stretch>
             <a:fillRect/>
@@ -4343,8 +4282,8 @@
         </p:blipFill>
         <p:spPr>
           <a:xfrm>
-            <a:off x="9115846" y="9389445"/>
-            <a:ext cx="3108960" cy="1047534"/>
+            <a:off x="9117856" y="9412164"/>
+            <a:ext cx="3120909" cy="1018313"/>
           </a:xfrm>
           <a:prstGeom prst="rect">
             <a:avLst/>
@@ -4366,7 +4305,7 @@
           <p:nvPr/>
         </p:nvPicPr>
         <p:blipFill>
-          <a:blip r:embed="rId10"/>
+          <a:blip r:embed="rId8"/>
           <a:srcRect l="27676" t="7474" r="30431" b="42355"/>
           <a:stretch>
             <a:fillRect/>
@@ -4374,7 +4313,7 @@
         </p:blipFill>
         <p:spPr>
           <a:xfrm>
-            <a:off x="7228008" y="637762"/>
+            <a:off x="6829662" y="637762"/>
             <a:ext cx="3685374" cy="3310077"/>
           </a:xfrm>
           <a:prstGeom prst="rect">
@@ -4382,75 +4321,6 @@
           </a:prstGeom>
         </p:spPr>
       </p:pic>
-      <p:pic>
-        <p:nvPicPr>
-          <p:cNvPr id="19" name="Picture 18">
-            <a:extLst>
-              <a:ext uri="{FF2B5EF4-FFF2-40B4-BE49-F238E27FC236}">
-                <a16:creationId xmlns:a16="http://schemas.microsoft.com/office/drawing/2014/main" id="{4BEBABE0-C5C3-7616-FE37-3F2548D62910}"/>
-              </a:ext>
-            </a:extLst>
-          </p:cNvPr>
-          <p:cNvPicPr>
-            <a:picLocks noChangeAspect="1"/>
-          </p:cNvPicPr>
-          <p:nvPr/>
-        </p:nvPicPr>
-        <p:blipFill>
-          <a:blip r:embed="rId10"/>
-          <a:srcRect l="10889" t="77885" r="6783" b="3790"/>
-          <a:stretch>
-            <a:fillRect/>
-          </a:stretch>
-        </p:blipFill>
-        <p:spPr>
-          <a:xfrm>
-            <a:off x="7011012" y="4050466"/>
-            <a:ext cx="4281763" cy="714753"/>
-          </a:xfrm>
-          <a:prstGeom prst="rect">
-            <a:avLst/>
-          </a:prstGeom>
-        </p:spPr>
-      </p:pic>
-      <p:sp>
-        <p:nvSpPr>
-          <p:cNvPr id="30" name="TextBox 29">
-            <a:extLst>
-              <a:ext uri="{FF2B5EF4-FFF2-40B4-BE49-F238E27FC236}">
-                <a16:creationId xmlns:a16="http://schemas.microsoft.com/office/drawing/2014/main" id="{DB81EBD1-B9C1-445B-CD1A-168312BFEE10}"/>
-              </a:ext>
-            </a:extLst>
-          </p:cNvPr>
-          <p:cNvSpPr txBox="1"/>
-          <p:nvPr/>
-        </p:nvSpPr>
-        <p:spPr>
-          <a:xfrm>
-            <a:off x="3378726" y="11919138"/>
-            <a:ext cx="2901258" cy="338554"/>
-          </a:xfrm>
-          <a:prstGeom prst="rect">
-            <a:avLst/>
-          </a:prstGeom>
-          <a:noFill/>
-        </p:spPr>
-        <p:txBody>
-          <a:bodyPr wrap="square" rtlCol="0">
-            <a:spAutoFit/>
-          </a:bodyPr>
-          <a:lstStyle/>
-          <a:p>
-            <a:pPr algn="ctr"/>
-            <a:r>
-              <a:rPr lang="en-US" sz="1600" dirty="0">
-                <a:latin typeface="Helvetica" pitchFamily="2" charset="0"/>
-              </a:rPr>
-              <a:t>Environment of Origin</a:t>
-            </a:r>
-          </a:p>
-        </p:txBody>
-      </p:sp>
       <p:sp>
         <p:nvSpPr>
           <p:cNvPr id="31" name="TextBox 30">
@@ -4491,10 +4361,10 @@
       </p:sp>
       <p:sp>
         <p:nvSpPr>
-          <p:cNvPr id="3" name="Rectangle 2">
+          <p:cNvPr id="5" name="Rectangle 4">
             <a:extLst>
               <a:ext uri="{FF2B5EF4-FFF2-40B4-BE49-F238E27FC236}">
-                <a16:creationId xmlns:a16="http://schemas.microsoft.com/office/drawing/2014/main" id="{087DE19E-E2F7-E731-6D3A-6CD78EC28C01}"/>
+                <a16:creationId xmlns:a16="http://schemas.microsoft.com/office/drawing/2014/main" id="{FC1BB572-1508-D57B-1FE7-05DDFC7EA6F3}"/>
               </a:ext>
             </a:extLst>
           </p:cNvPr>
@@ -4503,7 +4373,7 @@
         </p:nvSpPr>
         <p:spPr>
           <a:xfrm>
-            <a:off x="1057443" y="5854191"/>
+            <a:off x="9203273" y="5932278"/>
             <a:ext cx="2265045" cy="311222"/>
           </a:xfrm>
           <a:prstGeom prst="rect">
@@ -4545,17 +4415,117 @@
                 </a:solidFill>
                 <a:latin typeface="Helvetica" pitchFamily="2" charset="0"/>
               </a:rPr>
-              <a:t>Environments-of-origin</a:t>
-            </a:r>
-          </a:p>
-        </p:txBody>
-      </p:sp>
-      <p:sp>
-        <p:nvSpPr>
-          <p:cNvPr id="5" name="Rectangle 4">
+              <a:t>Common gardens</a:t>
+            </a:r>
+          </a:p>
+        </p:txBody>
+      </p:sp>
+      <p:sp>
+        <p:nvSpPr>
+          <p:cNvPr id="6" name="TextBox 5">
             <a:extLst>
               <a:ext uri="{FF2B5EF4-FFF2-40B4-BE49-F238E27FC236}">
-                <a16:creationId xmlns:a16="http://schemas.microsoft.com/office/drawing/2014/main" id="{FC1BB572-1508-D57B-1FE7-05DDFC7EA6F3}"/>
+                <a16:creationId xmlns:a16="http://schemas.microsoft.com/office/drawing/2014/main" id="{E7E59061-04BB-322A-A6B9-C3C8F8013ECF}"/>
+              </a:ext>
+            </a:extLst>
+          </p:cNvPr>
+          <p:cNvSpPr txBox="1"/>
+          <p:nvPr/>
+        </p:nvSpPr>
+        <p:spPr>
+          <a:xfrm>
+            <a:off x="7278291" y="329356"/>
+            <a:ext cx="2891481" cy="369332"/>
+          </a:xfrm>
+          <a:prstGeom prst="rect">
+            <a:avLst/>
+          </a:prstGeom>
+          <a:noFill/>
+        </p:spPr>
+        <p:txBody>
+          <a:bodyPr wrap="square" rtlCol="0">
+            <a:spAutoFit/>
+          </a:bodyPr>
+          <a:lstStyle/>
+          <a:p>
+            <a:pPr algn="ctr"/>
+            <a:r>
+              <a:rPr lang="en-US" dirty="0">
+                <a:latin typeface="Helvetica" pitchFamily="2" charset="0"/>
+              </a:rPr>
+              <a:t>Common Garden Sites</a:t>
+            </a:r>
+          </a:p>
+        </p:txBody>
+      </p:sp>
+      <p:pic>
+        <p:nvPicPr>
+          <p:cNvPr id="8" name="Picture 7">
+            <a:extLst>
+              <a:ext uri="{FF2B5EF4-FFF2-40B4-BE49-F238E27FC236}">
+                <a16:creationId xmlns:a16="http://schemas.microsoft.com/office/drawing/2014/main" id="{44F366FC-C8DB-CFF1-7001-E3650E2689B7}"/>
+              </a:ext>
+            </a:extLst>
+          </p:cNvPr>
+          <p:cNvPicPr>
+            <a:picLocks/>
+          </p:cNvPicPr>
+          <p:nvPr/>
+        </p:nvPicPr>
+        <p:blipFill>
+          <a:blip r:embed="rId9"/>
+          <a:srcRect l="2733" t="6105" r="1910" b="45253"/>
+          <a:stretch>
+            <a:fillRect/>
+          </a:stretch>
+        </p:blipFill>
+        <p:spPr>
+          <a:xfrm>
+            <a:off x="1110856" y="9510317"/>
+            <a:ext cx="7909560" cy="832104"/>
+          </a:xfrm>
+          <a:prstGeom prst="rect">
+            <a:avLst/>
+          </a:prstGeom>
+        </p:spPr>
+      </p:pic>
+      <p:pic>
+        <p:nvPicPr>
+          <p:cNvPr id="10" name="Picture 9">
+            <a:extLst>
+              <a:ext uri="{FF2B5EF4-FFF2-40B4-BE49-F238E27FC236}">
+                <a16:creationId xmlns:a16="http://schemas.microsoft.com/office/drawing/2014/main" id="{724A3905-E9E1-5EF7-A49E-38100BDC89ED}"/>
+              </a:ext>
+            </a:extLst>
+          </p:cNvPr>
+          <p:cNvPicPr>
+            <a:picLocks/>
+          </p:cNvPicPr>
+          <p:nvPr/>
+        </p:nvPicPr>
+        <p:blipFill>
+          <a:blip r:embed="rId10"/>
+          <a:srcRect b="41047"/>
+          <a:stretch>
+            <a:fillRect/>
+          </a:stretch>
+        </p:blipFill>
+        <p:spPr>
+          <a:xfrm>
+            <a:off x="909882" y="10308948"/>
+            <a:ext cx="8275320" cy="980777"/>
+          </a:xfrm>
+          <a:prstGeom prst="rect">
+            <a:avLst/>
+          </a:prstGeom>
+        </p:spPr>
+      </p:pic>
+      <p:sp>
+        <p:nvSpPr>
+          <p:cNvPr id="11" name="Rectangle 10">
+            <a:extLst>
+              <a:ext uri="{FF2B5EF4-FFF2-40B4-BE49-F238E27FC236}">
+                <a16:creationId xmlns:a16="http://schemas.microsoft.com/office/drawing/2014/main" id="{D90A63B7-F1FB-A52C-D31F-8CF77F927978}"/>
               </a:ext>
             </a:extLst>
           </p:cNvPr>
@@ -4563,9 +4533,9 @@
           <p:nvPr/>
         </p:nvSpPr>
         <p:spPr>
-          <a:xfrm>
-            <a:off x="9203273" y="5851253"/>
-            <a:ext cx="2265045" cy="311222"/>
+          <a:xfrm rot="20040000">
+            <a:off x="1027386" y="11420856"/>
+            <a:ext cx="743519" cy="405114"/>
           </a:xfrm>
           <a:prstGeom prst="rect">
             <a:avLst/>
@@ -4599,6 +4569,664 @@
           <a:bodyPr rtlCol="0" anchor="ctr"/>
           <a:lstStyle/>
           <a:p>
+            <a:pPr algn="ctr"/>
+            <a:r>
+              <a:rPr lang="en-US" sz="1400" dirty="0">
+                <a:solidFill>
+                  <a:sysClr val="windowText" lastClr="000000"/>
+                </a:solidFill>
+                <a:latin typeface="Helvetica" pitchFamily="2" charset="0"/>
+              </a:rPr>
+              <a:t>W1-TX</a:t>
+            </a:r>
+          </a:p>
+        </p:txBody>
+      </p:sp>
+      <p:sp>
+        <p:nvSpPr>
+          <p:cNvPr id="13" name="Rectangle 12">
+            <a:extLst>
+              <a:ext uri="{FF2B5EF4-FFF2-40B4-BE49-F238E27FC236}">
+                <a16:creationId xmlns:a16="http://schemas.microsoft.com/office/drawing/2014/main" id="{E6D9E952-3070-202D-46CD-DAA331AF2518}"/>
+              </a:ext>
+            </a:extLst>
+          </p:cNvPr>
+          <p:cNvSpPr/>
+          <p:nvPr/>
+        </p:nvSpPr>
+        <p:spPr>
+          <a:xfrm rot="20040000">
+            <a:off x="5810850" y="11434338"/>
+            <a:ext cx="950371" cy="405114"/>
+          </a:xfrm>
+          <a:prstGeom prst="rect">
+            <a:avLst/>
+          </a:prstGeom>
+          <a:solidFill>
+            <a:schemeClr val="bg1"/>
+          </a:solidFill>
+          <a:ln>
+            <a:solidFill>
+              <a:schemeClr val="bg1"/>
+            </a:solidFill>
+          </a:ln>
+        </p:spPr>
+        <p:style>
+          <a:lnRef idx="2">
+            <a:schemeClr val="accent1">
+              <a:shade val="15000"/>
+            </a:schemeClr>
+          </a:lnRef>
+          <a:fillRef idx="1">
+            <a:schemeClr val="accent1"/>
+          </a:fillRef>
+          <a:effectRef idx="0">
+            <a:schemeClr val="accent1"/>
+          </a:effectRef>
+          <a:fontRef idx="minor">
+            <a:schemeClr val="lt1"/>
+          </a:fontRef>
+        </p:style>
+        <p:txBody>
+          <a:bodyPr rtlCol="0" anchor="ctr"/>
+          <a:lstStyle/>
+          <a:p>
+            <a:pPr algn="ctr"/>
+            <a:r>
+              <a:rPr lang="en-US" sz="1400" dirty="0">
+                <a:solidFill>
+                  <a:sysClr val="windowText" lastClr="000000"/>
+                </a:solidFill>
+                <a:latin typeface="Helvetica" pitchFamily="2" charset="0"/>
+              </a:rPr>
+              <a:t>S2-DEBY</a:t>
+            </a:r>
+          </a:p>
+        </p:txBody>
+      </p:sp>
+      <p:sp>
+        <p:nvSpPr>
+          <p:cNvPr id="14" name="Rectangle 13">
+            <a:extLst>
+              <a:ext uri="{FF2B5EF4-FFF2-40B4-BE49-F238E27FC236}">
+                <a16:creationId xmlns:a16="http://schemas.microsoft.com/office/drawing/2014/main" id="{C0969CBC-D38C-C228-858B-5AC8BD7F86D8}"/>
+              </a:ext>
+            </a:extLst>
+          </p:cNvPr>
+          <p:cNvSpPr/>
+          <p:nvPr/>
+        </p:nvSpPr>
+        <p:spPr>
+          <a:xfrm rot="20040000">
+            <a:off x="6994451" y="11417658"/>
+            <a:ext cx="836934" cy="405114"/>
+          </a:xfrm>
+          <a:prstGeom prst="rect">
+            <a:avLst/>
+          </a:prstGeom>
+          <a:solidFill>
+            <a:schemeClr val="bg1"/>
+          </a:solidFill>
+          <a:ln>
+            <a:solidFill>
+              <a:schemeClr val="bg1"/>
+            </a:solidFill>
+          </a:ln>
+        </p:spPr>
+        <p:style>
+          <a:lnRef idx="2">
+            <a:schemeClr val="accent1">
+              <a:shade val="15000"/>
+            </a:schemeClr>
+          </a:lnRef>
+          <a:fillRef idx="1">
+            <a:schemeClr val="accent1"/>
+          </a:fillRef>
+          <a:effectRef idx="0">
+            <a:schemeClr val="accent1"/>
+          </a:effectRef>
+          <a:fontRef idx="minor">
+            <a:schemeClr val="lt1"/>
+          </a:fontRef>
+        </p:style>
+        <p:txBody>
+          <a:bodyPr rtlCol="0" anchor="ctr"/>
+          <a:lstStyle/>
+          <a:p>
+            <a:pPr algn="ctr"/>
+            <a:r>
+              <a:rPr lang="en-US" sz="1400" dirty="0">
+                <a:solidFill>
+                  <a:sysClr val="windowText" lastClr="000000"/>
+                </a:solidFill>
+                <a:latin typeface="Helvetica" pitchFamily="2" charset="0"/>
+              </a:rPr>
+              <a:t>W5-NH</a:t>
+            </a:r>
+          </a:p>
+        </p:txBody>
+      </p:sp>
+      <p:sp>
+        <p:nvSpPr>
+          <p:cNvPr id="15" name="Rectangle 14">
+            <a:extLst>
+              <a:ext uri="{FF2B5EF4-FFF2-40B4-BE49-F238E27FC236}">
+                <a16:creationId xmlns:a16="http://schemas.microsoft.com/office/drawing/2014/main" id="{BA306972-E294-FF89-78B5-0BD6B8899963}"/>
+              </a:ext>
+            </a:extLst>
+          </p:cNvPr>
+          <p:cNvSpPr/>
+          <p:nvPr/>
+        </p:nvSpPr>
+        <p:spPr>
+          <a:xfrm rot="20040000">
+            <a:off x="7972213" y="11420856"/>
+            <a:ext cx="820577" cy="405114"/>
+          </a:xfrm>
+          <a:prstGeom prst="rect">
+            <a:avLst/>
+          </a:prstGeom>
+          <a:solidFill>
+            <a:schemeClr val="bg1"/>
+          </a:solidFill>
+          <a:ln>
+            <a:solidFill>
+              <a:schemeClr val="bg1"/>
+            </a:solidFill>
+          </a:ln>
+        </p:spPr>
+        <p:style>
+          <a:lnRef idx="2">
+            <a:schemeClr val="accent1">
+              <a:shade val="15000"/>
+            </a:schemeClr>
+          </a:lnRef>
+          <a:fillRef idx="1">
+            <a:schemeClr val="accent1"/>
+          </a:fillRef>
+          <a:effectRef idx="0">
+            <a:schemeClr val="accent1"/>
+          </a:effectRef>
+          <a:fontRef idx="minor">
+            <a:schemeClr val="lt1"/>
+          </a:fontRef>
+        </p:style>
+        <p:txBody>
+          <a:bodyPr rtlCol="0" anchor="ctr"/>
+          <a:lstStyle/>
+          <a:p>
+            <a:pPr algn="ctr"/>
+            <a:r>
+              <a:rPr lang="en-US" sz="1400" dirty="0">
+                <a:solidFill>
+                  <a:sysClr val="windowText" lastClr="000000"/>
+                </a:solidFill>
+                <a:latin typeface="Helvetica" pitchFamily="2" charset="0"/>
+              </a:rPr>
+              <a:t>W6-ME</a:t>
+            </a:r>
+          </a:p>
+        </p:txBody>
+      </p:sp>
+      <p:sp>
+        <p:nvSpPr>
+          <p:cNvPr id="20" name="Rectangle 19">
+            <a:extLst>
+              <a:ext uri="{FF2B5EF4-FFF2-40B4-BE49-F238E27FC236}">
+                <a16:creationId xmlns:a16="http://schemas.microsoft.com/office/drawing/2014/main" id="{60FC634C-73A2-3A9D-30D8-288F9EE2D90A}"/>
+              </a:ext>
+            </a:extLst>
+          </p:cNvPr>
+          <p:cNvSpPr/>
+          <p:nvPr/>
+        </p:nvSpPr>
+        <p:spPr>
+          <a:xfrm rot="20040000">
+            <a:off x="4934472" y="11422884"/>
+            <a:ext cx="914907" cy="405114"/>
+          </a:xfrm>
+          <a:prstGeom prst="rect">
+            <a:avLst/>
+          </a:prstGeom>
+          <a:solidFill>
+            <a:schemeClr val="bg1"/>
+          </a:solidFill>
+          <a:ln>
+            <a:solidFill>
+              <a:schemeClr val="bg1"/>
+            </a:solidFill>
+          </a:ln>
+        </p:spPr>
+        <p:style>
+          <a:lnRef idx="2">
+            <a:schemeClr val="accent1">
+              <a:shade val="15000"/>
+            </a:schemeClr>
+          </a:lnRef>
+          <a:fillRef idx="1">
+            <a:schemeClr val="accent1"/>
+          </a:fillRef>
+          <a:effectRef idx="0">
+            <a:schemeClr val="accent1"/>
+          </a:effectRef>
+          <a:fontRef idx="minor">
+            <a:schemeClr val="lt1"/>
+          </a:fontRef>
+        </p:style>
+        <p:txBody>
+          <a:bodyPr rtlCol="0" anchor="ctr"/>
+          <a:lstStyle/>
+          <a:p>
+            <a:pPr algn="ctr"/>
+            <a:r>
+              <a:rPr lang="en-US" sz="1400" dirty="0">
+                <a:solidFill>
+                  <a:sysClr val="windowText" lastClr="000000"/>
+                </a:solidFill>
+                <a:latin typeface="Helvetica" pitchFamily="2" charset="0"/>
+              </a:rPr>
+              <a:t>S1-LOLA</a:t>
+            </a:r>
+          </a:p>
+        </p:txBody>
+      </p:sp>
+      <p:sp>
+        <p:nvSpPr>
+          <p:cNvPr id="30" name="TextBox 29">
+            <a:extLst>
+              <a:ext uri="{FF2B5EF4-FFF2-40B4-BE49-F238E27FC236}">
+                <a16:creationId xmlns:a16="http://schemas.microsoft.com/office/drawing/2014/main" id="{DB81EBD1-B9C1-445B-CD1A-168312BFEE10}"/>
+              </a:ext>
+            </a:extLst>
+          </p:cNvPr>
+          <p:cNvSpPr txBox="1"/>
+          <p:nvPr/>
+        </p:nvSpPr>
+        <p:spPr>
+          <a:xfrm>
+            <a:off x="3378726" y="11884413"/>
+            <a:ext cx="2901258" cy="338554"/>
+          </a:xfrm>
+          <a:prstGeom prst="rect">
+            <a:avLst/>
+          </a:prstGeom>
+          <a:noFill/>
+        </p:spPr>
+        <p:txBody>
+          <a:bodyPr wrap="square" rtlCol="0">
+            <a:spAutoFit/>
+          </a:bodyPr>
+          <a:lstStyle/>
+          <a:p>
+            <a:pPr algn="ctr"/>
+            <a:r>
+              <a:rPr lang="en-US" sz="1600" dirty="0">
+                <a:latin typeface="Helvetica" pitchFamily="2" charset="0"/>
+              </a:rPr>
+              <a:t>Environment of Origin</a:t>
+            </a:r>
+          </a:p>
+        </p:txBody>
+      </p:sp>
+      <p:sp>
+        <p:nvSpPr>
+          <p:cNvPr id="21" name="Rectangle 20">
+            <a:extLst>
+              <a:ext uri="{FF2B5EF4-FFF2-40B4-BE49-F238E27FC236}">
+                <a16:creationId xmlns:a16="http://schemas.microsoft.com/office/drawing/2014/main" id="{7265AEB5-61F8-5247-7D7D-3CA225B5CA7A}"/>
+              </a:ext>
+            </a:extLst>
+          </p:cNvPr>
+          <p:cNvSpPr/>
+          <p:nvPr/>
+        </p:nvSpPr>
+        <p:spPr>
+          <a:xfrm rot="20040000">
+            <a:off x="2051121" y="11420856"/>
+            <a:ext cx="743519" cy="405114"/>
+          </a:xfrm>
+          <a:prstGeom prst="rect">
+            <a:avLst/>
+          </a:prstGeom>
+          <a:solidFill>
+            <a:schemeClr val="bg1"/>
+          </a:solidFill>
+          <a:ln>
+            <a:solidFill>
+              <a:schemeClr val="bg1"/>
+            </a:solidFill>
+          </a:ln>
+        </p:spPr>
+        <p:style>
+          <a:lnRef idx="2">
+            <a:schemeClr val="accent1">
+              <a:shade val="15000"/>
+            </a:schemeClr>
+          </a:lnRef>
+          <a:fillRef idx="1">
+            <a:schemeClr val="accent1"/>
+          </a:fillRef>
+          <a:effectRef idx="0">
+            <a:schemeClr val="accent1"/>
+          </a:effectRef>
+          <a:fontRef idx="minor">
+            <a:schemeClr val="lt1"/>
+          </a:fontRef>
+        </p:style>
+        <p:txBody>
+          <a:bodyPr rtlCol="0" anchor="ctr"/>
+          <a:lstStyle/>
+          <a:p>
+            <a:pPr algn="ctr"/>
+            <a:r>
+              <a:rPr lang="en-US" sz="1400" dirty="0">
+                <a:solidFill>
+                  <a:sysClr val="windowText" lastClr="000000"/>
+                </a:solidFill>
+                <a:latin typeface="Helvetica" pitchFamily="2" charset="0"/>
+              </a:rPr>
+              <a:t>W2-LA</a:t>
+            </a:r>
+          </a:p>
+        </p:txBody>
+      </p:sp>
+      <p:sp>
+        <p:nvSpPr>
+          <p:cNvPr id="22" name="Rectangle 21">
+            <a:extLst>
+              <a:ext uri="{FF2B5EF4-FFF2-40B4-BE49-F238E27FC236}">
+                <a16:creationId xmlns:a16="http://schemas.microsoft.com/office/drawing/2014/main" id="{104CB33D-FCA6-12B2-BA33-A6645B57E0D9}"/>
+              </a:ext>
+            </a:extLst>
+          </p:cNvPr>
+          <p:cNvSpPr/>
+          <p:nvPr/>
+        </p:nvSpPr>
+        <p:spPr>
+          <a:xfrm rot="20040000">
+            <a:off x="3056761" y="11420856"/>
+            <a:ext cx="743519" cy="405114"/>
+          </a:xfrm>
+          <a:prstGeom prst="rect">
+            <a:avLst/>
+          </a:prstGeom>
+          <a:solidFill>
+            <a:schemeClr val="bg1"/>
+          </a:solidFill>
+          <a:ln>
+            <a:solidFill>
+              <a:schemeClr val="bg1"/>
+            </a:solidFill>
+          </a:ln>
+        </p:spPr>
+        <p:style>
+          <a:lnRef idx="2">
+            <a:schemeClr val="accent1">
+              <a:shade val="15000"/>
+            </a:schemeClr>
+          </a:lnRef>
+          <a:fillRef idx="1">
+            <a:schemeClr val="accent1"/>
+          </a:fillRef>
+          <a:effectRef idx="0">
+            <a:schemeClr val="accent1"/>
+          </a:effectRef>
+          <a:fontRef idx="minor">
+            <a:schemeClr val="lt1"/>
+          </a:fontRef>
+        </p:style>
+        <p:txBody>
+          <a:bodyPr rtlCol="0" anchor="ctr"/>
+          <a:lstStyle/>
+          <a:p>
+            <a:pPr algn="ctr"/>
+            <a:r>
+              <a:rPr lang="en-US" sz="1400" dirty="0">
+                <a:solidFill>
+                  <a:sysClr val="windowText" lastClr="000000"/>
+                </a:solidFill>
+                <a:latin typeface="Helvetica" pitchFamily="2" charset="0"/>
+              </a:rPr>
+              <a:t>W3-FL</a:t>
+            </a:r>
+          </a:p>
+        </p:txBody>
+      </p:sp>
+      <p:sp>
+        <p:nvSpPr>
+          <p:cNvPr id="23" name="Rectangle 22">
+            <a:extLst>
+              <a:ext uri="{FF2B5EF4-FFF2-40B4-BE49-F238E27FC236}">
+                <a16:creationId xmlns:a16="http://schemas.microsoft.com/office/drawing/2014/main" id="{AA132CA3-F088-70F9-14D8-52C14E6D6CA7}"/>
+              </a:ext>
+            </a:extLst>
+          </p:cNvPr>
+          <p:cNvSpPr/>
+          <p:nvPr/>
+        </p:nvSpPr>
+        <p:spPr>
+          <a:xfrm rot="20047544">
+            <a:off x="4107290" y="11420856"/>
+            <a:ext cx="743519" cy="405114"/>
+          </a:xfrm>
+          <a:prstGeom prst="rect">
+            <a:avLst/>
+          </a:prstGeom>
+          <a:solidFill>
+            <a:schemeClr val="bg1"/>
+          </a:solidFill>
+          <a:ln>
+            <a:solidFill>
+              <a:schemeClr val="bg1"/>
+            </a:solidFill>
+          </a:ln>
+        </p:spPr>
+        <p:style>
+          <a:lnRef idx="2">
+            <a:schemeClr val="accent1">
+              <a:shade val="15000"/>
+            </a:schemeClr>
+          </a:lnRef>
+          <a:fillRef idx="1">
+            <a:schemeClr val="accent1"/>
+          </a:fillRef>
+          <a:effectRef idx="0">
+            <a:schemeClr val="accent1"/>
+          </a:effectRef>
+          <a:fontRef idx="minor">
+            <a:schemeClr val="lt1"/>
+          </a:fontRef>
+        </p:style>
+        <p:txBody>
+          <a:bodyPr rtlCol="0" anchor="ctr"/>
+          <a:lstStyle/>
+          <a:p>
+            <a:pPr algn="ctr"/>
+            <a:r>
+              <a:rPr lang="en-US" sz="1400" dirty="0">
+                <a:solidFill>
+                  <a:sysClr val="windowText" lastClr="000000"/>
+                </a:solidFill>
+                <a:latin typeface="Helvetica" pitchFamily="2" charset="0"/>
+              </a:rPr>
+              <a:t>W4-VA</a:t>
+            </a:r>
+          </a:p>
+        </p:txBody>
+      </p:sp>
+      <p:sp>
+        <p:nvSpPr>
+          <p:cNvPr id="29" name="Rectangle 28">
+            <a:extLst>
+              <a:ext uri="{FF2B5EF4-FFF2-40B4-BE49-F238E27FC236}">
+                <a16:creationId xmlns:a16="http://schemas.microsoft.com/office/drawing/2014/main" id="{61587458-E9DC-76A5-942C-76B32323CA6F}"/>
+              </a:ext>
+            </a:extLst>
+          </p:cNvPr>
+          <p:cNvSpPr/>
+          <p:nvPr/>
+        </p:nvSpPr>
+        <p:spPr>
+          <a:xfrm rot="20040000">
+            <a:off x="9190369" y="11442917"/>
+            <a:ext cx="820577" cy="405114"/>
+          </a:xfrm>
+          <a:prstGeom prst="rect">
+            <a:avLst/>
+          </a:prstGeom>
+          <a:solidFill>
+            <a:schemeClr val="bg1"/>
+          </a:solidFill>
+          <a:ln>
+            <a:solidFill>
+              <a:schemeClr val="bg1"/>
+            </a:solidFill>
+          </a:ln>
+        </p:spPr>
+        <p:style>
+          <a:lnRef idx="2">
+            <a:schemeClr val="accent1">
+              <a:shade val="15000"/>
+            </a:schemeClr>
+          </a:lnRef>
+          <a:fillRef idx="1">
+            <a:schemeClr val="accent1"/>
+          </a:fillRef>
+          <a:effectRef idx="0">
+            <a:schemeClr val="accent1"/>
+          </a:effectRef>
+          <a:fontRef idx="minor">
+            <a:schemeClr val="lt1"/>
+          </a:fontRef>
+        </p:style>
+        <p:txBody>
+          <a:bodyPr rtlCol="0" anchor="ctr"/>
+          <a:lstStyle/>
+          <a:p>
+            <a:pPr algn="ctr"/>
+            <a:r>
+              <a:rPr lang="en-US" sz="1400" dirty="0">
+                <a:solidFill>
+                  <a:sysClr val="windowText" lastClr="000000"/>
+                </a:solidFill>
+                <a:latin typeface="Helvetica" pitchFamily="2" charset="0"/>
+              </a:rPr>
+              <a:t>LEW</a:t>
+            </a:r>
+          </a:p>
+        </p:txBody>
+      </p:sp>
+      <p:sp>
+        <p:nvSpPr>
+          <p:cNvPr id="32" name="Rectangle 31">
+            <a:extLst>
+              <a:ext uri="{FF2B5EF4-FFF2-40B4-BE49-F238E27FC236}">
+                <a16:creationId xmlns:a16="http://schemas.microsoft.com/office/drawing/2014/main" id="{865B1977-AD7D-BF1E-AA7B-0BC1DF16CD50}"/>
+              </a:ext>
+            </a:extLst>
+          </p:cNvPr>
+          <p:cNvSpPr/>
+          <p:nvPr/>
+        </p:nvSpPr>
+        <p:spPr>
+          <a:xfrm rot="20040000">
+            <a:off x="10239322" y="11442918"/>
+            <a:ext cx="820577" cy="405114"/>
+          </a:xfrm>
+          <a:prstGeom prst="rect">
+            <a:avLst/>
+          </a:prstGeom>
+          <a:solidFill>
+            <a:schemeClr val="bg1"/>
+          </a:solidFill>
+          <a:ln>
+            <a:solidFill>
+              <a:schemeClr val="bg1"/>
+            </a:solidFill>
+          </a:ln>
+        </p:spPr>
+        <p:style>
+          <a:lnRef idx="2">
+            <a:schemeClr val="accent1">
+              <a:shade val="15000"/>
+            </a:schemeClr>
+          </a:lnRef>
+          <a:fillRef idx="1">
+            <a:schemeClr val="accent1"/>
+          </a:fillRef>
+          <a:effectRef idx="0">
+            <a:schemeClr val="accent1"/>
+          </a:effectRef>
+          <a:fontRef idx="minor">
+            <a:schemeClr val="lt1"/>
+          </a:fontRef>
+        </p:style>
+        <p:txBody>
+          <a:bodyPr rtlCol="0" anchor="ctr"/>
+          <a:lstStyle/>
+          <a:p>
+            <a:pPr algn="ctr"/>
+            <a:r>
+              <a:rPr lang="en-US" sz="1400" dirty="0">
+                <a:solidFill>
+                  <a:sysClr val="windowText" lastClr="000000"/>
+                </a:solidFill>
+                <a:latin typeface="Helvetica" pitchFamily="2" charset="0"/>
+              </a:rPr>
+              <a:t>YRK</a:t>
+            </a:r>
+          </a:p>
+        </p:txBody>
+      </p:sp>
+      <p:sp>
+        <p:nvSpPr>
+          <p:cNvPr id="42" name="Rectangle 41">
+            <a:extLst>
+              <a:ext uri="{FF2B5EF4-FFF2-40B4-BE49-F238E27FC236}">
+                <a16:creationId xmlns:a16="http://schemas.microsoft.com/office/drawing/2014/main" id="{DE025574-FD97-D63E-55A0-DB20A383AB9C}"/>
+              </a:ext>
+            </a:extLst>
+          </p:cNvPr>
+          <p:cNvSpPr/>
+          <p:nvPr/>
+        </p:nvSpPr>
+        <p:spPr>
+          <a:xfrm>
+            <a:off x="1011776" y="5954423"/>
+            <a:ext cx="2265045" cy="311222"/>
+          </a:xfrm>
+          <a:prstGeom prst="rect">
+            <a:avLst/>
+          </a:prstGeom>
+          <a:solidFill>
+            <a:schemeClr val="bg1"/>
+          </a:solidFill>
+          <a:ln>
+            <a:solidFill>
+              <a:schemeClr val="bg1"/>
+            </a:solidFill>
+          </a:ln>
+        </p:spPr>
+        <p:style>
+          <a:lnRef idx="2">
+            <a:schemeClr val="accent1">
+              <a:shade val="15000"/>
+            </a:schemeClr>
+          </a:lnRef>
+          <a:fillRef idx="1">
+            <a:schemeClr val="accent1"/>
+          </a:fillRef>
+          <a:effectRef idx="0">
+            <a:schemeClr val="accent1"/>
+          </a:effectRef>
+          <a:fontRef idx="minor">
+            <a:schemeClr val="lt1"/>
+          </a:fontRef>
+        </p:style>
+        <p:txBody>
+          <a:bodyPr rtlCol="0" anchor="ctr"/>
+          <a:lstStyle/>
+          <a:p>
             <a:r>
               <a:rPr lang="en-US" sz="1600" dirty="0">
                 <a:solidFill>
@@ -4606,49 +5234,134 @@
                 </a:solidFill>
                 <a:latin typeface="Helvetica" pitchFamily="2" charset="0"/>
               </a:rPr>
-              <a:t>Common gardens</a:t>
-            </a:r>
-          </a:p>
-        </p:txBody>
-      </p:sp>
-      <p:sp>
-        <p:nvSpPr>
-          <p:cNvPr id="6" name="TextBox 5">
+              <a:t>Environments-of-origin</a:t>
+            </a:r>
+          </a:p>
+        </p:txBody>
+      </p:sp>
+      <p:sp>
+        <p:nvSpPr>
+          <p:cNvPr id="44" name="Rectangle 43">
             <a:extLst>
               <a:ext uri="{FF2B5EF4-FFF2-40B4-BE49-F238E27FC236}">
-                <a16:creationId xmlns:a16="http://schemas.microsoft.com/office/drawing/2014/main" id="{E7E59061-04BB-322A-A6B9-C3C8F8013ECF}"/>
+                <a16:creationId xmlns:a16="http://schemas.microsoft.com/office/drawing/2014/main" id="{A8AA6AB5-716D-0173-8E72-5D6F0C0F2C48}"/>
               </a:ext>
             </a:extLst>
           </p:cNvPr>
-          <p:cNvSpPr txBox="1"/>
+          <p:cNvSpPr/>
           <p:nvPr/>
         </p:nvSpPr>
         <p:spPr>
-          <a:xfrm>
-            <a:off x="7676637" y="329356"/>
-            <a:ext cx="2891481" cy="369332"/>
+          <a:xfrm rot="16200000">
+            <a:off x="-74880" y="7648511"/>
+            <a:ext cx="1418389" cy="362426"/>
           </a:xfrm>
           <a:prstGeom prst="rect">
             <a:avLst/>
           </a:prstGeom>
-          <a:noFill/>
-        </p:spPr>
-        <p:txBody>
-          <a:bodyPr wrap="square" rtlCol="0">
-            <a:spAutoFit/>
-          </a:bodyPr>
-          <a:lstStyle/>
-          <a:p>
-            <a:pPr algn="ctr"/>
-            <a:r>
-              <a:rPr lang="en-US" dirty="0">
+          <a:solidFill>
+            <a:schemeClr val="bg1"/>
+          </a:solidFill>
+          <a:ln>
+            <a:solidFill>
+              <a:schemeClr val="bg1"/>
+            </a:solidFill>
+          </a:ln>
+        </p:spPr>
+        <p:style>
+          <a:lnRef idx="2">
+            <a:schemeClr val="accent1">
+              <a:shade val="15000"/>
+            </a:schemeClr>
+          </a:lnRef>
+          <a:fillRef idx="1">
+            <a:schemeClr val="accent1"/>
+          </a:fillRef>
+          <a:effectRef idx="0">
+            <a:schemeClr val="accent1"/>
+          </a:effectRef>
+          <a:fontRef idx="minor">
+            <a:schemeClr val="lt1"/>
+          </a:fontRef>
+        </p:style>
+        <p:txBody>
+          <a:bodyPr rtlCol="0" anchor="ctr"/>
+          <a:lstStyle/>
+          <a:p>
+            <a:r>
+              <a:rPr lang="en-US" sz="1600" dirty="0">
+                <a:solidFill>
+                  <a:sysClr val="windowText" lastClr="000000"/>
+                </a:solidFill>
                 <a:latin typeface="Helvetica" pitchFamily="2" charset="0"/>
               </a:rPr>
-              <a:t>Common Garden Sites</a:t>
-            </a:r>
-          </a:p>
-        </p:txBody>
-      </p:sp>
+              <a:t>Salinity (ppt)</a:t>
+            </a:r>
+          </a:p>
+        </p:txBody>
+      </p:sp>
+      <p:pic>
+        <p:nvPicPr>
+          <p:cNvPr id="48" name="Picture 47">
+            <a:extLst>
+              <a:ext uri="{FF2B5EF4-FFF2-40B4-BE49-F238E27FC236}">
+                <a16:creationId xmlns:a16="http://schemas.microsoft.com/office/drawing/2014/main" id="{6073732B-3BD6-A1C3-F3C5-FD076DBBFF47}"/>
+              </a:ext>
+            </a:extLst>
+          </p:cNvPr>
+          <p:cNvPicPr>
+            <a:picLocks noChangeAspect="1"/>
+          </p:cNvPicPr>
+          <p:nvPr/>
+        </p:nvPicPr>
+        <p:blipFill>
+          <a:blip r:embed="rId11"/>
+          <a:srcRect l="21738" t="76058" r="22333" b="13791"/>
+          <a:stretch>
+            <a:fillRect/>
+          </a:stretch>
+        </p:blipFill>
+        <p:spPr>
+          <a:xfrm>
+            <a:off x="7029650" y="3851933"/>
+            <a:ext cx="3140122" cy="427452"/>
+          </a:xfrm>
+          <a:prstGeom prst="rect">
+            <a:avLst/>
+          </a:prstGeom>
+        </p:spPr>
+      </p:pic>
+      <p:pic>
+        <p:nvPicPr>
+          <p:cNvPr id="50" name="Picture 49">
+            <a:extLst>
+              <a:ext uri="{FF2B5EF4-FFF2-40B4-BE49-F238E27FC236}">
+                <a16:creationId xmlns:a16="http://schemas.microsoft.com/office/drawing/2014/main" id="{DDD34D17-9556-0219-5A5F-750C17EE903B}"/>
+              </a:ext>
+            </a:extLst>
+          </p:cNvPr>
+          <p:cNvPicPr>
+            <a:picLocks noChangeAspect="1"/>
+          </p:cNvPicPr>
+          <p:nvPr/>
+        </p:nvPicPr>
+        <p:blipFill>
+          <a:blip r:embed="rId11"/>
+          <a:srcRect l="21738" t="86802" r="22333" b="1086"/>
+          <a:stretch>
+            <a:fillRect/>
+          </a:stretch>
+        </p:blipFill>
+        <p:spPr>
+          <a:xfrm>
+            <a:off x="7029650" y="4358008"/>
+            <a:ext cx="3140122" cy="510041"/>
+          </a:xfrm>
+          <a:prstGeom prst="rect">
+            <a:avLst/>
+          </a:prstGeom>
+        </p:spPr>
+      </p:pic>
     </p:spTree>
     <p:extLst>
       <p:ext uri="{BB962C8B-B14F-4D97-AF65-F5344CB8AC3E}">

--- a/figures/envr_of_origin/EOO_Field_Envr.pptx
+++ b/figures/envr_of_origin/EOO_Field_Envr.pptx
@@ -197,7 +197,7 @@
           <a:p>
             <a:fld id="{4B5B259B-1F42-0448-AF93-D62C71E9FE53}" type="datetimeFigureOut">
               <a:rPr lang="en-US" smtClean="0"/>
-              <a:t>11/9/25</a:t>
+              <a:t>11/17/25</a:t>
             </a:fld>
             <a:endParaRPr lang="en-US"/>
           </a:p>
@@ -679,7 +679,7 @@
           <a:p>
             <a:fld id="{140175AA-D19A-D346-8060-CE01ADC05081}" type="datetimeFigureOut">
               <a:rPr lang="en-US" smtClean="0"/>
-              <a:t>11/9/25</a:t>
+              <a:t>11/17/25</a:t>
             </a:fld>
             <a:endParaRPr lang="en-US"/>
           </a:p>
@@ -849,7 +849,7 @@
           <a:p>
             <a:fld id="{140175AA-D19A-D346-8060-CE01ADC05081}" type="datetimeFigureOut">
               <a:rPr lang="en-US" smtClean="0"/>
-              <a:t>11/9/25</a:t>
+              <a:t>11/17/25</a:t>
             </a:fld>
             <a:endParaRPr lang="en-US"/>
           </a:p>
@@ -1029,7 +1029,7 @@
           <a:p>
             <a:fld id="{140175AA-D19A-D346-8060-CE01ADC05081}" type="datetimeFigureOut">
               <a:rPr lang="en-US" smtClean="0"/>
-              <a:t>11/9/25</a:t>
+              <a:t>11/17/25</a:t>
             </a:fld>
             <a:endParaRPr lang="en-US"/>
           </a:p>
@@ -1199,7 +1199,7 @@
           <a:p>
             <a:fld id="{140175AA-D19A-D346-8060-CE01ADC05081}" type="datetimeFigureOut">
               <a:rPr lang="en-US" smtClean="0"/>
-              <a:t>11/9/25</a:t>
+              <a:t>11/17/25</a:t>
             </a:fld>
             <a:endParaRPr lang="en-US"/>
           </a:p>
@@ -1445,7 +1445,7 @@
           <a:p>
             <a:fld id="{140175AA-D19A-D346-8060-CE01ADC05081}" type="datetimeFigureOut">
               <a:rPr lang="en-US" smtClean="0"/>
-              <a:t>11/9/25</a:t>
+              <a:t>11/17/25</a:t>
             </a:fld>
             <a:endParaRPr lang="en-US"/>
           </a:p>
@@ -1677,7 +1677,7 @@
           <a:p>
             <a:fld id="{140175AA-D19A-D346-8060-CE01ADC05081}" type="datetimeFigureOut">
               <a:rPr lang="en-US" smtClean="0"/>
-              <a:t>11/9/25</a:t>
+              <a:t>11/17/25</a:t>
             </a:fld>
             <a:endParaRPr lang="en-US"/>
           </a:p>
@@ -2044,7 +2044,7 @@
           <a:p>
             <a:fld id="{140175AA-D19A-D346-8060-CE01ADC05081}" type="datetimeFigureOut">
               <a:rPr lang="en-US" smtClean="0"/>
-              <a:t>11/9/25</a:t>
+              <a:t>11/17/25</a:t>
             </a:fld>
             <a:endParaRPr lang="en-US"/>
           </a:p>
@@ -2162,7 +2162,7 @@
           <a:p>
             <a:fld id="{140175AA-D19A-D346-8060-CE01ADC05081}" type="datetimeFigureOut">
               <a:rPr lang="en-US" smtClean="0"/>
-              <a:t>11/9/25</a:t>
+              <a:t>11/17/25</a:t>
             </a:fld>
             <a:endParaRPr lang="en-US"/>
           </a:p>
@@ -2257,7 +2257,7 @@
           <a:p>
             <a:fld id="{140175AA-D19A-D346-8060-CE01ADC05081}" type="datetimeFigureOut">
               <a:rPr lang="en-US" smtClean="0"/>
-              <a:t>11/9/25</a:t>
+              <a:t>11/17/25</a:t>
             </a:fld>
             <a:endParaRPr lang="en-US"/>
           </a:p>
@@ -2534,7 +2534,7 @@
           <a:p>
             <a:fld id="{140175AA-D19A-D346-8060-CE01ADC05081}" type="datetimeFigureOut">
               <a:rPr lang="en-US" smtClean="0"/>
-              <a:t>11/9/25</a:t>
+              <a:t>11/17/25</a:t>
             </a:fld>
             <a:endParaRPr lang="en-US"/>
           </a:p>
@@ -2791,7 +2791,7 @@
           <a:p>
             <a:fld id="{140175AA-D19A-D346-8060-CE01ADC05081}" type="datetimeFigureOut">
               <a:rPr lang="en-US" smtClean="0"/>
-              <a:t>11/9/25</a:t>
+              <a:t>11/17/25</a:t>
             </a:fld>
             <a:endParaRPr lang="en-US"/>
           </a:p>
@@ -3004,7 +3004,7 @@
           <a:p>
             <a:fld id="{140175AA-D19A-D346-8060-CE01ADC05081}" type="datetimeFigureOut">
               <a:rPr lang="en-US" smtClean="0"/>
-              <a:t>11/9/25</a:t>
+              <a:t>11/17/25</a:t>
             </a:fld>
             <a:endParaRPr lang="en-US"/>
           </a:p>
@@ -3484,8 +3484,8 @@
         </p:nvSpPr>
         <p:spPr>
           <a:xfrm>
-            <a:off x="112950" y="9685569"/>
-            <a:ext cx="1078389" cy="523220"/>
+            <a:off x="0" y="9668651"/>
+            <a:ext cx="1191339" cy="584775"/>
           </a:xfrm>
           <a:prstGeom prst="rect">
             <a:avLst/>
@@ -3499,7 +3499,7 @@
           <a:lstStyle/>
           <a:p>
             <a:r>
-              <a:rPr lang="en-US" sz="1400" dirty="0">
+              <a:rPr lang="en-US" sz="1600" dirty="0">
                 <a:latin typeface="Helvetica" pitchFamily="2" charset="0"/>
               </a:rPr>
               <a:t>0.1 Temp Quantile</a:t>
@@ -3521,8 +3521,8 @@
         </p:nvSpPr>
         <p:spPr>
           <a:xfrm>
-            <a:off x="112950" y="10619013"/>
-            <a:ext cx="1042731" cy="523220"/>
+            <a:off x="0" y="10500869"/>
+            <a:ext cx="1042731" cy="584775"/>
           </a:xfrm>
           <a:prstGeom prst="rect">
             <a:avLst/>
@@ -3536,7 +3536,7 @@
           <a:lstStyle/>
           <a:p>
             <a:r>
-              <a:rPr lang="en-US" sz="1400" dirty="0">
+              <a:rPr lang="en-US" sz="1600" dirty="0">
                 <a:latin typeface="Helvetica" pitchFamily="2" charset="0"/>
               </a:rPr>
               <a:t>0.9 Temp Quantile</a:t>
@@ -3733,7 +3733,7 @@
         <p:spPr>
           <a:xfrm flipH="1" flipV="1">
             <a:off x="4491147" y="3010953"/>
-            <a:ext cx="2519863" cy="1754266"/>
+            <a:ext cx="2538502" cy="2423938"/>
           </a:xfrm>
           <a:prstGeom prst="line">
             <a:avLst/>
@@ -3776,7 +3776,7 @@
         <p:spPr>
           <a:xfrm flipH="1">
             <a:off x="4480178" y="306217"/>
-            <a:ext cx="2530832" cy="2227653"/>
+            <a:ext cx="2549471" cy="2227653"/>
           </a:xfrm>
           <a:prstGeom prst="line">
             <a:avLst/>
@@ -3851,8 +3851,8 @@
         </p:nvSpPr>
         <p:spPr>
           <a:xfrm>
-            <a:off x="4627629" y="3066876"/>
-            <a:ext cx="784776" cy="261610"/>
+            <a:off x="4625704" y="3108648"/>
+            <a:ext cx="1196878" cy="338554"/>
           </a:xfrm>
           <a:prstGeom prst="rect">
             <a:avLst/>
@@ -3867,7 +3867,7 @@
           <a:p>
             <a:pPr algn="ctr"/>
             <a:r>
-              <a:rPr lang="en-US" sz="1100" b="1" dirty="0">
+              <a:rPr lang="en-US" sz="1600" b="1" dirty="0">
                 <a:latin typeface="Helvetica" pitchFamily="2" charset="0"/>
               </a:rPr>
               <a:t>W4-VA</a:t>
@@ -3889,8 +3889,8 @@
         </p:nvSpPr>
         <p:spPr>
           <a:xfrm>
-            <a:off x="1305245" y="4552773"/>
-            <a:ext cx="674249" cy="261610"/>
+            <a:off x="1202695" y="4536927"/>
+            <a:ext cx="1028311" cy="338554"/>
           </a:xfrm>
           <a:prstGeom prst="rect">
             <a:avLst/>
@@ -3905,7 +3905,7 @@
           <a:p>
             <a:pPr algn="ctr"/>
             <a:r>
-              <a:rPr lang="en-US" sz="1100" b="1" dirty="0">
+              <a:rPr lang="en-US" sz="1600" b="1" dirty="0">
                 <a:latin typeface="Helvetica" pitchFamily="2" charset="0"/>
               </a:rPr>
               <a:t>W1-TX</a:t>
@@ -3927,8 +3927,8 @@
         </p:nvSpPr>
         <p:spPr>
           <a:xfrm>
-            <a:off x="2197780" y="4429663"/>
-            <a:ext cx="707512" cy="261610"/>
+            <a:off x="2144298" y="4420359"/>
+            <a:ext cx="1079041" cy="338554"/>
           </a:xfrm>
           <a:prstGeom prst="rect">
             <a:avLst/>
@@ -3943,7 +3943,7 @@
           <a:p>
             <a:pPr algn="ctr"/>
             <a:r>
-              <a:rPr lang="en-US" sz="1100" b="1" dirty="0">
+              <a:rPr lang="en-US" sz="1600" b="1" dirty="0">
                 <a:latin typeface="Helvetica" pitchFamily="2" charset="0"/>
               </a:rPr>
               <a:t>W2-LA</a:t>
@@ -3965,8 +3965,8 @@
         </p:nvSpPr>
         <p:spPr>
           <a:xfrm>
-            <a:off x="3529450" y="4069621"/>
-            <a:ext cx="823972" cy="261610"/>
+            <a:off x="3466765" y="4000701"/>
+            <a:ext cx="1256657" cy="338554"/>
           </a:xfrm>
           <a:prstGeom prst="rect">
             <a:avLst/>
@@ -3981,7 +3981,7 @@
           <a:p>
             <a:pPr algn="ctr"/>
             <a:r>
-              <a:rPr lang="en-US" sz="1100" b="1" dirty="0">
+              <a:rPr lang="en-US" sz="1600" b="1" dirty="0">
                 <a:latin typeface="Helvetica" pitchFamily="2" charset="0"/>
               </a:rPr>
               <a:t>W3-FL</a:t>
@@ -4003,8 +4003,8 @@
         </p:nvSpPr>
         <p:spPr>
           <a:xfrm>
-            <a:off x="4455800" y="2820502"/>
-            <a:ext cx="1028911" cy="261610"/>
+            <a:off x="4289993" y="2790448"/>
+            <a:ext cx="1569213" cy="338554"/>
           </a:xfrm>
           <a:prstGeom prst="rect">
             <a:avLst/>
@@ -4019,7 +4019,7 @@
           <a:p>
             <a:pPr algn="ctr"/>
             <a:r>
-              <a:rPr lang="en-US" sz="1100" b="1" dirty="0">
+              <a:rPr lang="en-US" sz="1600" b="1" dirty="0">
                 <a:latin typeface="Helvetica" pitchFamily="2" charset="0"/>
               </a:rPr>
               <a:t>S2-DEBY</a:t>
@@ -4041,8 +4041,8 @@
         </p:nvSpPr>
         <p:spPr>
           <a:xfrm>
-            <a:off x="4809346" y="2529660"/>
-            <a:ext cx="784776" cy="261610"/>
+            <a:off x="4780007" y="2492660"/>
+            <a:ext cx="1196878" cy="338554"/>
           </a:xfrm>
           <a:prstGeom prst="rect">
             <a:avLst/>
@@ -4057,7 +4057,7 @@
           <a:p>
             <a:pPr algn="ctr"/>
             <a:r>
-              <a:rPr lang="en-US" sz="1100" b="1" dirty="0">
+              <a:rPr lang="en-US" sz="1600" b="1" dirty="0">
                 <a:latin typeface="Helvetica" pitchFamily="2" charset="0"/>
               </a:rPr>
               <a:t>S1-LOLA</a:t>
@@ -4079,8 +4079,8 @@
         </p:nvSpPr>
         <p:spPr>
           <a:xfrm>
-            <a:off x="5062303" y="1861639"/>
-            <a:ext cx="784776" cy="261610"/>
+            <a:off x="4958131" y="1892157"/>
+            <a:ext cx="1196878" cy="338554"/>
           </a:xfrm>
           <a:prstGeom prst="rect">
             <a:avLst/>
@@ -4095,7 +4095,7 @@
           <a:p>
             <a:pPr algn="ctr"/>
             <a:r>
-              <a:rPr lang="en-US" sz="1100" b="1" dirty="0">
+              <a:rPr lang="en-US" sz="1600" b="1" dirty="0">
                 <a:latin typeface="Helvetica" pitchFamily="2" charset="0"/>
               </a:rPr>
               <a:t>W5-NH</a:t>
@@ -4117,8 +4117,8 @@
         </p:nvSpPr>
         <p:spPr>
           <a:xfrm>
-            <a:off x="5240843" y="1711662"/>
-            <a:ext cx="784776" cy="261610"/>
+            <a:off x="5164568" y="1711661"/>
+            <a:ext cx="1196878" cy="338554"/>
           </a:xfrm>
           <a:prstGeom prst="rect">
             <a:avLst/>
@@ -4133,7 +4133,7 @@
           <a:p>
             <a:pPr algn="ctr"/>
             <a:r>
-              <a:rPr lang="en-US" sz="1100" b="1" dirty="0">
+              <a:rPr lang="en-US" sz="1600" b="1" dirty="0">
                 <a:latin typeface="Helvetica" pitchFamily="2" charset="0"/>
               </a:rPr>
               <a:t>W6-ME</a:t>
@@ -4155,8 +4155,8 @@
         </p:nvSpPr>
         <p:spPr>
           <a:xfrm>
-            <a:off x="7029650" y="306217"/>
-            <a:ext cx="3485386" cy="4459002"/>
+            <a:off x="7029649" y="306217"/>
+            <a:ext cx="4741287" cy="5128674"/>
           </a:xfrm>
           <a:prstGeom prst="rect">
             <a:avLst/>
@@ -4335,8 +4335,8 @@
         </p:nvSpPr>
         <p:spPr>
           <a:xfrm>
-            <a:off x="8869679" y="11919138"/>
-            <a:ext cx="2901258" cy="307777"/>
+            <a:off x="8869679" y="11894424"/>
+            <a:ext cx="2901258" cy="338554"/>
           </a:xfrm>
           <a:prstGeom prst="rect">
             <a:avLst/>
@@ -4351,7 +4351,7 @@
           <a:p>
             <a:pPr algn="ctr"/>
             <a:r>
-              <a:rPr lang="en-US" sz="1400" dirty="0">
+              <a:rPr lang="en-US" sz="1600" dirty="0">
                 <a:latin typeface="Helvetica" pitchFamily="2" charset="0"/>
               </a:rPr>
               <a:t>Common Garden Site</a:t>
@@ -5323,8 +5323,8 @@
         </p:blipFill>
         <p:spPr>
           <a:xfrm>
-            <a:off x="7029650" y="3851933"/>
-            <a:ext cx="3140122" cy="427452"/>
+            <a:off x="7020505" y="3909631"/>
+            <a:ext cx="4416112" cy="601147"/>
           </a:xfrm>
           <a:prstGeom prst="rect">
             <a:avLst/>
@@ -5354,14 +5354,122 @@
         </p:blipFill>
         <p:spPr>
           <a:xfrm>
-            <a:off x="7029650" y="4358008"/>
-            <a:ext cx="3140122" cy="510041"/>
+            <a:off x="7011011" y="4724490"/>
+            <a:ext cx="4457308" cy="723988"/>
           </a:xfrm>
           <a:prstGeom prst="rect">
             <a:avLst/>
           </a:prstGeom>
         </p:spPr>
       </p:pic>
+      <p:sp>
+        <p:nvSpPr>
+          <p:cNvPr id="3" name="Rectangle 2">
+            <a:extLst>
+              <a:ext uri="{FF2B5EF4-FFF2-40B4-BE49-F238E27FC236}">
+                <a16:creationId xmlns:a16="http://schemas.microsoft.com/office/drawing/2014/main" id="{9A93D966-5C9A-AA9B-597D-AB31F45F2CC3}"/>
+              </a:ext>
+            </a:extLst>
+          </p:cNvPr>
+          <p:cNvSpPr/>
+          <p:nvPr/>
+        </p:nvSpPr>
+        <p:spPr>
+          <a:xfrm>
+            <a:off x="2552074" y="1892157"/>
+            <a:ext cx="782947" cy="311222"/>
+          </a:xfrm>
+          <a:prstGeom prst="rect">
+            <a:avLst/>
+          </a:prstGeom>
+          <a:solidFill>
+            <a:schemeClr val="bg1"/>
+          </a:solidFill>
+          <a:ln>
+            <a:solidFill>
+              <a:schemeClr val="bg1"/>
+            </a:solidFill>
+          </a:ln>
+        </p:spPr>
+        <p:style>
+          <a:lnRef idx="2">
+            <a:schemeClr val="accent1">
+              <a:shade val="15000"/>
+            </a:schemeClr>
+          </a:lnRef>
+          <a:fillRef idx="1">
+            <a:schemeClr val="accent1"/>
+          </a:fillRef>
+          <a:effectRef idx="0">
+            <a:schemeClr val="accent1"/>
+          </a:effectRef>
+          <a:fontRef idx="minor">
+            <a:schemeClr val="lt1"/>
+          </a:fontRef>
+        </p:style>
+        <p:txBody>
+          <a:bodyPr rtlCol="0" anchor="ctr"/>
+          <a:lstStyle/>
+          <a:p>
+            <a:pPr algn="ctr"/>
+            <a:endParaRPr lang="en-US"/>
+          </a:p>
+        </p:txBody>
+      </p:sp>
+      <p:sp>
+        <p:nvSpPr>
+          <p:cNvPr id="9" name="Rectangle 8">
+            <a:extLst>
+              <a:ext uri="{FF2B5EF4-FFF2-40B4-BE49-F238E27FC236}">
+                <a16:creationId xmlns:a16="http://schemas.microsoft.com/office/drawing/2014/main" id="{41E582F2-0C6A-6BE9-190A-9DE6A4FD7AB5}"/>
+              </a:ext>
+            </a:extLst>
+          </p:cNvPr>
+          <p:cNvSpPr/>
+          <p:nvPr/>
+        </p:nvSpPr>
+        <p:spPr>
+          <a:xfrm>
+            <a:off x="2802218" y="2222754"/>
+            <a:ext cx="782947" cy="311222"/>
+          </a:xfrm>
+          <a:prstGeom prst="rect">
+            <a:avLst/>
+          </a:prstGeom>
+          <a:solidFill>
+            <a:schemeClr val="bg1"/>
+          </a:solidFill>
+          <a:ln>
+            <a:solidFill>
+              <a:schemeClr val="bg1"/>
+            </a:solidFill>
+          </a:ln>
+        </p:spPr>
+        <p:style>
+          <a:lnRef idx="2">
+            <a:schemeClr val="accent1">
+              <a:shade val="15000"/>
+            </a:schemeClr>
+          </a:lnRef>
+          <a:fillRef idx="1">
+            <a:schemeClr val="accent1"/>
+          </a:fillRef>
+          <a:effectRef idx="0">
+            <a:schemeClr val="accent1"/>
+          </a:effectRef>
+          <a:fontRef idx="minor">
+            <a:schemeClr val="lt1"/>
+          </a:fontRef>
+        </p:style>
+        <p:txBody>
+          <a:bodyPr rtlCol="0" anchor="ctr"/>
+          <a:lstStyle/>
+          <a:p>
+            <a:pPr algn="ctr"/>
+            <a:endParaRPr lang="en-US"/>
+          </a:p>
+        </p:txBody>
+      </p:sp>
     </p:spTree>
     <p:extLst>
       <p:ext uri="{BB962C8B-B14F-4D97-AF65-F5344CB8AC3E}">
